--- a/generated_docs/Porters_Slide_Deck.pptx
+++ b/generated_docs/Porters_Slide_Deck.pptx
@@ -3198,7 +3198,7 @@
           <a:lstStyle/>
           <a:p>
             <a:r>
-              <a:t>Porter's Five Forces framework assesses the competitive intensity and attractiveness of the higher education market in which Fort Lewis College operates. By analyzing the threat of new entrants, bargaining power of suppliers (faculty/vendors) and buyers (students), threat of substitutes, and rivalry among existing competitors, this model reveals FLC's competitive position and informs differentiation strategy.</a:t>
+              <a:t>Porter's Five Forces framework assesses the competitive intensity of the higher education market in which Fort Lewis College operates. This analysis corrects common AI assumptions: online competition is unverified for FLC (place-based students may not be choosing online), faculty 'scarcity' is a Durango recruitment issue (national supply is HIGH in most fields), and FLC's experiential value proposition serves a distinct market segment.</a:t>
             </a:r>
           </a:p>
           <a:p>
@@ -3270,13 +3270,13 @@
           <a:lstStyle/>
           <a:p>
             <a:r>
-              <a:t>Rating: High (4.5/5)</a:t>
+              <a:t>Rating: High (4.0/5)</a:t>
             </a:r>
           </a:p>
           <a:p>
             <a:pPr/>
             <a:r>
-              <a:t>Intense competition from CU system, CSU, Western Colorado, and online programs</a:t>
+              <a:t>Intense competition from CU system, CSU, Western Colorado; online threat assumed but unverified for FLC</a:t>
             </a:r>
           </a:p>
           <a:p>
@@ -3354,31 +3354,31 @@
           <a:lstStyle/>
           <a:p>
             <a:r>
-              <a:t>Rating: Medium-High (3.5/5)</a:t>
+              <a:t>Rating: Medium (3.0/5)</a:t>
             </a:r>
           </a:p>
           <a:p>
             <a:pPr/>
             <a:r>
-              <a:t>Online programs and micro-credentials lowering traditional barriers to entry</a:t>
+              <a:t>Accreditation remains HIGH barrier for degree-granting; certificate/non-degree entrants are real threat</a:t>
             </a:r>
           </a:p>
           <a:p>
             <a:pPr/>
             <a:r>
-              <a:t>Accreditation barriers: High (Stable)</a:t>
+              <a:t>Accreditation barriers (degree): High (Stable)</a:t>
             </a:r>
           </a:p>
           <a:p>
             <a:pPr/>
             <a:r>
-              <a:t>Online program launches (competing): Growing (Increasing)</a:t>
+              <a:t>Certificate/non-degree barriers: Low (Decreasing)</a:t>
             </a:r>
           </a:p>
           <a:p>
             <a:pPr/>
             <a:r>
-              <a:t>Boot camp / certificate programs: Moderate (Increasing)</a:t>
+              <a:t>Boot camp / micro-credential programs: Growing (Increasing)</a:t>
             </a:r>
           </a:p>
         </p:txBody>
@@ -3444,13 +3444,13 @@
           <a:p>
             <a:pPr/>
             <a:r>
-              <a:t>Students have many choices; FLC must compete on value, experience, and outcomes</a:t>
+              <a:t>Students have many choices; price sensitivity high; FLC must compete on value and outcomes</a:t>
             </a:r>
           </a:p>
           <a:p>
             <a:pPr/>
             <a:r>
-              <a:t>Yield rate (confirmed to enrolled): ~87% (Improving)</a:t>
+              <a:t>Yield rate (needs verification): Unverified (Unknown)</a:t>
             </a:r>
           </a:p>
           <a:p>
@@ -3522,31 +3522,31 @@
           <a:lstStyle/>
           <a:p>
             <a:r>
-              <a:t>Rating: Medium-High (3.5/5)</a:t>
+              <a:t>Rating: Medium (3.0/5)</a:t>
             </a:r>
           </a:p>
           <a:p>
             <a:pPr/>
             <a:r>
-              <a:t>Faculty recruitment challenging due to remote location and salary competition</a:t>
+              <a:t>National faculty supply HIGH in most fields; real issue is Durango recruitment (cost of living + salary)</a:t>
             </a:r>
           </a:p>
           <a:p>
             <a:pPr/>
             <a:r>
-              <a:t>Faculty with terminal degrees: 98% (Stable)</a:t>
+              <a:t>National faculty supply: High (Stable)</a:t>
             </a:r>
           </a:p>
           <a:p>
             <a:pPr/>
             <a:r>
-              <a:t>Durango cost of living: High (Increasing)</a:t>
+              <a:t>Durango cost of living barrier: High (Increasing)</a:t>
             </a:r>
           </a:p>
           <a:p>
             <a:pPr/>
             <a:r>
-              <a:t>Specialized faculty scarcity: Moderate (Increasing)</a:t>
+              <a:t>Durango recruitment competitiveness: Below avg (Worsening)</a:t>
             </a:r>
           </a:p>
         </p:txBody>
@@ -3606,19 +3606,19 @@
           <a:lstStyle/>
           <a:p>
             <a:r>
-              <a:t>Rating: Medium-High (3.5/5)</a:t>
+              <a:t>Rating: Medium (3.0/5)</a:t>
             </a:r>
           </a:p>
           <a:p>
             <a:pPr/>
             <a:r>
-              <a:t>Online degrees, certificates, and workforce programs offer alternatives to 4-year degree</a:t>
+              <a:t>Online/certificates growing nationally, but FLC's place-based brand serves experience-preferring students</a:t>
             </a:r>
           </a:p>
           <a:p>
             <a:pPr/>
             <a:r>
-              <a:t>Online degree program growth: Rapid (Increasing)</a:t>
+              <a:t>Online degree program growth (national): Rapid (Increasing)</a:t>
             </a:r>
           </a:p>
           <a:p>
